--- a/IoT 60h/Protocolos de comunicacao/ZigBee.pptx
+++ b/IoT 60h/Protocolos de comunicacao/ZigBee.pptx
@@ -24,6 +24,15 @@
     <p:sldId id="272" r:id="rId18"/>
     <p:sldId id="273" r:id="rId19"/>
     <p:sldId id="274" r:id="rId20"/>
+    <p:sldId id="275" r:id="rId21"/>
+    <p:sldId id="276" r:id="rId22"/>
+    <p:sldId id="277" r:id="rId23"/>
+    <p:sldId id="278" r:id="rId24"/>
+    <p:sldId id="279" r:id="rId25"/>
+    <p:sldId id="280" r:id="rId26"/>
+    <p:sldId id="281" r:id="rId27"/>
+    <p:sldId id="282" r:id="rId28"/>
+    <p:sldId id="283" r:id="rId29"/>
   </p:sldIdLst>
   <p:sldSz cx="12192000" cy="6858000"/>
   <p:notesSz cx="6858000" cy="9144000"/>
@@ -122,6 +131,11 @@
       </a:defRPr>
     </a:lvl9pPr>
   </p:defaultTextStyle>
+  <p:extLst>
+    <p:ext uri="{EFAFB233-063F-42B5-8137-9DF3F51BA10A}">
+      <p15:sldGuideLst xmlns:p15="http://schemas.microsoft.com/office/powerpoint/2012/main"/>
+    </p:ext>
+  </p:extLst>
 </p:presentation>
 </file>
 
@@ -4407,7 +4421,7 @@
           <a:p>
             <a:fld id="{48A87A34-81AB-432B-8DAE-1953F412C126}" type="datetimeFigureOut">
               <a:rPr lang="en-US" dirty="0"/>
-              <a:t>6/4/2024</a:t>
+              <a:t>6/10/2024</a:t>
             </a:fld>
             <a:endParaRPr lang="en-US" dirty="0"/>
           </a:p>
@@ -4669,7 +4683,7 @@
           <a:p>
             <a:fld id="{48A87A34-81AB-432B-8DAE-1953F412C126}" type="datetimeFigureOut">
               <a:rPr lang="en-US" dirty="0"/>
-              <a:t>6/4/2024</a:t>
+              <a:t>6/10/2024</a:t>
             </a:fld>
             <a:endParaRPr lang="en-US" dirty="0"/>
           </a:p>
@@ -4860,7 +4874,7 @@
           <a:p>
             <a:fld id="{48A87A34-81AB-432B-8DAE-1953F412C126}" type="datetimeFigureOut">
               <a:rPr lang="en-US" dirty="0"/>
-              <a:t>6/4/2024</a:t>
+              <a:t>6/10/2024</a:t>
             </a:fld>
             <a:endParaRPr lang="en-US" dirty="0"/>
           </a:p>
@@ -5118,7 +5132,7 @@
           <a:p>
             <a:fld id="{48A87A34-81AB-432B-8DAE-1953F412C126}" type="datetimeFigureOut">
               <a:rPr lang="en-US" dirty="0"/>
-              <a:t>6/4/2024</a:t>
+              <a:t>6/10/2024</a:t>
             </a:fld>
             <a:endParaRPr lang="en-US" dirty="0"/>
           </a:p>
@@ -5547,7 +5561,7 @@
           <a:p>
             <a:fld id="{48A87A34-81AB-432B-8DAE-1953F412C126}" type="datetimeFigureOut">
               <a:rPr lang="en-US" dirty="0"/>
-              <a:t>6/4/2024</a:t>
+              <a:t>6/10/2024</a:t>
             </a:fld>
             <a:endParaRPr lang="en-US" dirty="0"/>
           </a:p>
@@ -6088,7 +6102,7 @@
           <a:p>
             <a:fld id="{48A87A34-81AB-432B-8DAE-1953F412C126}" type="datetimeFigureOut">
               <a:rPr lang="en-US" dirty="0"/>
-              <a:t>6/4/2024</a:t>
+              <a:t>6/10/2024</a:t>
             </a:fld>
             <a:endParaRPr lang="en-US" dirty="0"/>
           </a:p>
@@ -6803,7 +6817,7 @@
           <a:p>
             <a:fld id="{48A87A34-81AB-432B-8DAE-1953F412C126}" type="datetimeFigureOut">
               <a:rPr lang="en-US" dirty="0"/>
-              <a:t>6/4/2024</a:t>
+              <a:t>6/10/2024</a:t>
             </a:fld>
             <a:endParaRPr lang="en-US" dirty="0"/>
           </a:p>
@@ -6968,7 +6982,7 @@
           <a:p>
             <a:fld id="{48A87A34-81AB-432B-8DAE-1953F412C126}" type="datetimeFigureOut">
               <a:rPr lang="en-US" dirty="0"/>
-              <a:t>6/4/2024</a:t>
+              <a:t>6/10/2024</a:t>
             </a:fld>
             <a:endParaRPr lang="en-US" dirty="0"/>
           </a:p>
@@ -7143,7 +7157,7 @@
           <a:p>
             <a:fld id="{48A87A34-81AB-432B-8DAE-1953F412C126}" type="datetimeFigureOut">
               <a:rPr lang="en-US" dirty="0"/>
-              <a:t>6/4/2024</a:t>
+              <a:t>6/10/2024</a:t>
             </a:fld>
             <a:endParaRPr lang="en-US" dirty="0"/>
           </a:p>
@@ -7308,7 +7322,7 @@
           <a:p>
             <a:fld id="{48A87A34-81AB-432B-8DAE-1953F412C126}" type="datetimeFigureOut">
               <a:rPr lang="en-US" dirty="0"/>
-              <a:t>6/4/2024</a:t>
+              <a:t>6/10/2024</a:t>
             </a:fld>
             <a:endParaRPr lang="en-US" dirty="0"/>
           </a:p>
@@ -7553,7 +7567,7 @@
           <a:p>
             <a:fld id="{48A87A34-81AB-432B-8DAE-1953F412C126}" type="datetimeFigureOut">
               <a:rPr lang="en-US" dirty="0"/>
-              <a:t>6/4/2024</a:t>
+              <a:t>6/10/2024</a:t>
             </a:fld>
             <a:endParaRPr lang="en-US" dirty="0"/>
           </a:p>
@@ -7780,7 +7794,7 @@
           <a:p>
             <a:fld id="{48A87A34-81AB-432B-8DAE-1953F412C126}" type="datetimeFigureOut">
               <a:rPr lang="en-US" dirty="0"/>
-              <a:t>6/4/2024</a:t>
+              <a:t>6/10/2024</a:t>
             </a:fld>
             <a:endParaRPr lang="en-US" dirty="0"/>
           </a:p>
@@ -8156,7 +8170,7 @@
           <a:p>
             <a:fld id="{48A87A34-81AB-432B-8DAE-1953F412C126}" type="datetimeFigureOut">
               <a:rPr lang="en-US" dirty="0"/>
-              <a:t>6/4/2024</a:t>
+              <a:t>6/10/2024</a:t>
             </a:fld>
             <a:endParaRPr lang="en-US" dirty="0"/>
           </a:p>
@@ -8269,7 +8283,7 @@
           <a:p>
             <a:fld id="{48A87A34-81AB-432B-8DAE-1953F412C126}" type="datetimeFigureOut">
               <a:rPr lang="en-US" dirty="0"/>
-              <a:t>6/4/2024</a:t>
+              <a:t>6/10/2024</a:t>
             </a:fld>
             <a:endParaRPr lang="en-US" dirty="0"/>
           </a:p>
@@ -8359,7 +8373,7 @@
           <a:p>
             <a:fld id="{48A87A34-81AB-432B-8DAE-1953F412C126}" type="datetimeFigureOut">
               <a:rPr lang="en-US" dirty="0"/>
-              <a:t>6/4/2024</a:t>
+              <a:t>6/10/2024</a:t>
             </a:fld>
             <a:endParaRPr lang="en-US" dirty="0"/>
           </a:p>
@@ -8603,7 +8617,7 @@
           <a:p>
             <a:fld id="{48A87A34-81AB-432B-8DAE-1953F412C126}" type="datetimeFigureOut">
               <a:rPr lang="en-US" dirty="0"/>
-              <a:t>6/4/2024</a:t>
+              <a:t>6/10/2024</a:t>
             </a:fld>
             <a:endParaRPr lang="en-US" dirty="0"/>
           </a:p>
@@ -8878,7 +8892,7 @@
           <a:p>
             <a:fld id="{48A87A34-81AB-432B-8DAE-1953F412C126}" type="datetimeFigureOut">
               <a:rPr lang="en-US" dirty="0"/>
-              <a:t>6/4/2024</a:t>
+              <a:t>6/10/2024</a:t>
             </a:fld>
             <a:endParaRPr lang="en-US" dirty="0"/>
           </a:p>
@@ -11941,7 +11955,7 @@
             <a:fld id="{48A87A34-81AB-432B-8DAE-1953F412C126}" type="datetimeFigureOut">
               <a:rPr lang="en-US" dirty="0"/>
               <a:pPr/>
-              <a:t>6/4/2024</a:t>
+              <a:t>6/10/2024</a:t>
             </a:fld>
             <a:endParaRPr lang="en-US" dirty="0"/>
           </a:p>
@@ -13435,10 +13449,9 @@
           <a:lstStyle/>
           <a:p>
             <a:r>
-              <a:rPr lang="pt-BR" dirty="0" err="1"/>
-              <a:t>PEsquise</a:t>
-            </a:r>
-            <a:endParaRPr lang="pt-BR" dirty="0"/>
+              <a:rPr lang="pt-BR" dirty="0"/>
+              <a:t>Pesquise</a:t>
+            </a:r>
           </a:p>
         </p:txBody>
       </p:sp>
@@ -13492,12 +13505,8 @@
               <a:buNone/>
             </a:pPr>
             <a:r>
-              <a:rPr lang="pt-BR"/>
-              <a:t>2-) Existem </a:t>
-            </a:r>
-            <a:r>
               <a:rPr lang="pt-BR" dirty="0"/>
-              <a:t>mais topografias de rede fora essas? Quais?</a:t>
+              <a:t>2-) Existem mais topografias de rede fora essas? Quais?</a:t>
             </a:r>
           </a:p>
         </p:txBody>
@@ -13616,6 +13625,1427 @@
     <p:extLst>
       <p:ext uri="{BB962C8B-B14F-4D97-AF65-F5344CB8AC3E}">
         <p14:creationId xmlns:p14="http://schemas.microsoft.com/office/powerpoint/2010/main" val="301722667"/>
+      </p:ext>
+    </p:extLst>
+  </p:cSld>
+  <p:clrMapOvr>
+    <a:masterClrMapping/>
+  </p:clrMapOvr>
+</p:sld>
+</file>
+
+<file path=ppt/slides/slide20.xml><?xml version="1.0" encoding="utf-8"?>
+<p:sld xmlns:a="http://schemas.openxmlformats.org/drawingml/2006/main" xmlns:r="http://schemas.openxmlformats.org/officeDocument/2006/relationships" xmlns:p="http://schemas.openxmlformats.org/presentationml/2006/main">
+  <p:cSld>
+    <p:spTree>
+      <p:nvGrpSpPr>
+        <p:cNvPr id="1" name=""/>
+        <p:cNvGrpSpPr/>
+        <p:nvPr/>
+      </p:nvGrpSpPr>
+      <p:grpSpPr>
+        <a:xfrm>
+          <a:off x="0" y="0"/>
+          <a:ext cx="0" cy="0"/>
+          <a:chOff x="0" y="0"/>
+          <a:chExt cx="0" cy="0"/>
+        </a:xfrm>
+      </p:grpSpPr>
+      <p:sp>
+        <p:nvSpPr>
+          <p:cNvPr id="2" name="Título 1">
+            <a:extLst>
+              <a:ext uri="{FF2B5EF4-FFF2-40B4-BE49-F238E27FC236}">
+                <a16:creationId xmlns:a16="http://schemas.microsoft.com/office/drawing/2014/main" id="{3D2501B4-9E43-D25F-1BEE-332E91A98465}"/>
+              </a:ext>
+            </a:extLst>
+          </p:cNvPr>
+          <p:cNvSpPr>
+            <a:spLocks noGrp="1"/>
+          </p:cNvSpPr>
+          <p:nvPr>
+            <p:ph type="title"/>
+          </p:nvPr>
+        </p:nvSpPr>
+        <p:spPr/>
+        <p:txBody>
+          <a:bodyPr/>
+          <a:lstStyle/>
+          <a:p>
+            <a:r>
+              <a:rPr lang="pt-BR" dirty="0"/>
+              <a:t>Topologia Estrela (Star)</a:t>
+            </a:r>
+          </a:p>
+        </p:txBody>
+      </p:sp>
+      <p:sp>
+        <p:nvSpPr>
+          <p:cNvPr id="3" name="Espaço Reservado para Conteúdo 2">
+            <a:extLst>
+              <a:ext uri="{FF2B5EF4-FFF2-40B4-BE49-F238E27FC236}">
+                <a16:creationId xmlns:a16="http://schemas.microsoft.com/office/drawing/2014/main" id="{0E22C029-698C-6073-B097-84E6DF048597}"/>
+              </a:ext>
+            </a:extLst>
+          </p:cNvPr>
+          <p:cNvSpPr>
+            <a:spLocks noGrp="1"/>
+          </p:cNvSpPr>
+          <p:nvPr>
+            <p:ph idx="1"/>
+          </p:nvPr>
+        </p:nvSpPr>
+        <p:spPr>
+          <a:xfrm>
+            <a:off x="1141413" y="2249487"/>
+            <a:ext cx="7176964" cy="3541714"/>
+          </a:xfrm>
+        </p:spPr>
+        <p:txBody>
+          <a:bodyPr/>
+          <a:lstStyle/>
+          <a:p>
+            <a:r>
+              <a:rPr lang="pt-BR" dirty="0"/>
+              <a:t>É o tipo de configuração mais comum. A rede é organizada de forma que os nós sejam conectados a um hub central, que atua como um servidor. O hub gerencia a transmissão de dados pela rede. Ou seja, qualquer dado enviado pela rede viaja pelo hub central antes de terminar em seu destino.</a:t>
+            </a:r>
+          </a:p>
+        </p:txBody>
+      </p:sp>
+      <p:pic>
+        <p:nvPicPr>
+          <p:cNvPr id="1026" name="Picture 2">
+            <a:extLst>
+              <a:ext uri="{FF2B5EF4-FFF2-40B4-BE49-F238E27FC236}">
+                <a16:creationId xmlns:a16="http://schemas.microsoft.com/office/drawing/2014/main" id="{2545993B-48E8-4D0C-74B5-15328E6483A2}"/>
+              </a:ext>
+            </a:extLst>
+          </p:cNvPr>
+          <p:cNvPicPr>
+            <a:picLocks noChangeAspect="1" noChangeArrowheads="1"/>
+          </p:cNvPicPr>
+          <p:nvPr/>
+        </p:nvPicPr>
+        <p:blipFill>
+          <a:blip r:embed="rId2">
+            <a:extLst>
+              <a:ext uri="{28A0092B-C50C-407E-A947-70E740481C1C}">
+                <a14:useLocalDpi xmlns:a14="http://schemas.microsoft.com/office/drawing/2010/main" val="0"/>
+              </a:ext>
+            </a:extLst>
+          </a:blip>
+          <a:srcRect/>
+          <a:stretch>
+            <a:fillRect/>
+          </a:stretch>
+        </p:blipFill>
+        <p:spPr bwMode="auto">
+          <a:xfrm>
+            <a:off x="8654896" y="2249487"/>
+            <a:ext cx="3333750" cy="3228975"/>
+          </a:xfrm>
+          <a:prstGeom prst="rect">
+            <a:avLst/>
+          </a:prstGeom>
+          <a:noFill/>
+          <a:extLst>
+            <a:ext uri="{909E8E84-426E-40DD-AFC4-6F175D3DCCD1}">
+              <a14:hiddenFill xmlns:a14="http://schemas.microsoft.com/office/drawing/2010/main">
+                <a:solidFill>
+                  <a:srgbClr val="FFFFFF"/>
+                </a:solidFill>
+              </a14:hiddenFill>
+            </a:ext>
+          </a:extLst>
+        </p:spPr>
+      </p:pic>
+    </p:spTree>
+    <p:extLst>
+      <p:ext uri="{BB962C8B-B14F-4D97-AF65-F5344CB8AC3E}">
+        <p14:creationId xmlns:p14="http://schemas.microsoft.com/office/powerpoint/2010/main" val="2378454112"/>
+      </p:ext>
+    </p:extLst>
+  </p:cSld>
+  <p:clrMapOvr>
+    <a:masterClrMapping/>
+  </p:clrMapOvr>
+</p:sld>
+</file>
+
+<file path=ppt/slides/slide21.xml><?xml version="1.0" encoding="utf-8"?>
+<p:sld xmlns:a="http://schemas.openxmlformats.org/drawingml/2006/main" xmlns:r="http://schemas.openxmlformats.org/officeDocument/2006/relationships" xmlns:p="http://schemas.openxmlformats.org/presentationml/2006/main">
+  <p:cSld>
+    <p:spTree>
+      <p:nvGrpSpPr>
+        <p:cNvPr id="1" name=""/>
+        <p:cNvGrpSpPr/>
+        <p:nvPr/>
+      </p:nvGrpSpPr>
+      <p:grpSpPr>
+        <a:xfrm>
+          <a:off x="0" y="0"/>
+          <a:ext cx="0" cy="0"/>
+          <a:chOff x="0" y="0"/>
+          <a:chExt cx="0" cy="0"/>
+        </a:xfrm>
+      </p:grpSpPr>
+      <p:sp>
+        <p:nvSpPr>
+          <p:cNvPr id="2" name="Título 1">
+            <a:extLst>
+              <a:ext uri="{FF2B5EF4-FFF2-40B4-BE49-F238E27FC236}">
+                <a16:creationId xmlns:a16="http://schemas.microsoft.com/office/drawing/2014/main" id="{68AD3644-A7D9-AAA8-5607-27995E664214}"/>
+              </a:ext>
+            </a:extLst>
+          </p:cNvPr>
+          <p:cNvSpPr>
+            <a:spLocks noGrp="1"/>
+          </p:cNvSpPr>
+          <p:nvPr>
+            <p:ph type="title"/>
+          </p:nvPr>
+        </p:nvSpPr>
+        <p:spPr/>
+        <p:txBody>
+          <a:bodyPr/>
+          <a:lstStyle/>
+          <a:p>
+            <a:r>
+              <a:rPr lang="pt-BR" dirty="0"/>
+              <a:t>Topologia estrela (Star)</a:t>
+            </a:r>
+          </a:p>
+        </p:txBody>
+      </p:sp>
+      <p:sp>
+        <p:nvSpPr>
+          <p:cNvPr id="3" name="Espaço Reservado para Conteúdo 2">
+            <a:extLst>
+              <a:ext uri="{FF2B5EF4-FFF2-40B4-BE49-F238E27FC236}">
+                <a16:creationId xmlns:a16="http://schemas.microsoft.com/office/drawing/2014/main" id="{C18CB381-A38D-A30C-9F52-F8B02FFC5858}"/>
+              </a:ext>
+            </a:extLst>
+          </p:cNvPr>
+          <p:cNvSpPr>
+            <a:spLocks noGrp="1"/>
+          </p:cNvSpPr>
+          <p:nvPr>
+            <p:ph idx="1"/>
+          </p:nvPr>
+        </p:nvSpPr>
+        <p:spPr>
+          <a:xfrm>
+            <a:off x="1141413" y="2249487"/>
+            <a:ext cx="7620848" cy="3541714"/>
+          </a:xfrm>
+        </p:spPr>
+        <p:txBody>
+          <a:bodyPr>
+            <a:normAutofit lnSpcReduction="10000"/>
+          </a:bodyPr>
+          <a:lstStyle/>
+          <a:p>
+            <a:pPr marL="0" indent="0">
+              <a:buNone/>
+            </a:pPr>
+            <a:r>
+              <a:rPr lang="pt-BR" dirty="0"/>
+              <a:t>PRÓS:</a:t>
+            </a:r>
+          </a:p>
+          <a:p>
+            <a:r>
+              <a:rPr lang="pt-BR" dirty="0"/>
+              <a:t>Gerenciamento conveniente de um local central</a:t>
+            </a:r>
+          </a:p>
+          <a:p>
+            <a:r>
+              <a:rPr lang="pt-BR" dirty="0"/>
+              <a:t>Se um nó falhar, a rede ainda funciona</a:t>
+            </a:r>
+          </a:p>
+          <a:p>
+            <a:r>
+              <a:rPr lang="pt-BR" dirty="0"/>
+              <a:t>Os dispositivos podem ser adicionados ou removidos sem interromper a rede</a:t>
+            </a:r>
+          </a:p>
+          <a:p>
+            <a:r>
+              <a:rPr lang="pt-BR" dirty="0"/>
+              <a:t>Mais fácil de identificar e isolar problemas de desempenho</a:t>
+            </a:r>
+          </a:p>
+        </p:txBody>
+      </p:sp>
+      <p:pic>
+        <p:nvPicPr>
+          <p:cNvPr id="4" name="Picture 2">
+            <a:extLst>
+              <a:ext uri="{FF2B5EF4-FFF2-40B4-BE49-F238E27FC236}">
+                <a16:creationId xmlns:a16="http://schemas.microsoft.com/office/drawing/2014/main" id="{9AF38778-84C8-CE51-CC07-57B1F0F106FC}"/>
+              </a:ext>
+            </a:extLst>
+          </p:cNvPr>
+          <p:cNvPicPr>
+            <a:picLocks noChangeAspect="1" noChangeArrowheads="1"/>
+          </p:cNvPicPr>
+          <p:nvPr/>
+        </p:nvPicPr>
+        <p:blipFill>
+          <a:blip r:embed="rId2">
+            <a:extLst>
+              <a:ext uri="{28A0092B-C50C-407E-A947-70E740481C1C}">
+                <a14:useLocalDpi xmlns:a14="http://schemas.microsoft.com/office/drawing/2010/main" val="0"/>
+              </a:ext>
+            </a:extLst>
+          </a:blip>
+          <a:srcRect/>
+          <a:stretch>
+            <a:fillRect/>
+          </a:stretch>
+        </p:blipFill>
+        <p:spPr bwMode="auto">
+          <a:xfrm>
+            <a:off x="8654896" y="2249487"/>
+            <a:ext cx="3333750" cy="3228975"/>
+          </a:xfrm>
+          <a:prstGeom prst="rect">
+            <a:avLst/>
+          </a:prstGeom>
+          <a:noFill/>
+          <a:extLst>
+            <a:ext uri="{909E8E84-426E-40DD-AFC4-6F175D3DCCD1}">
+              <a14:hiddenFill xmlns:a14="http://schemas.microsoft.com/office/drawing/2010/main">
+                <a:solidFill>
+                  <a:srgbClr val="FFFFFF"/>
+                </a:solidFill>
+              </a14:hiddenFill>
+            </a:ext>
+          </a:extLst>
+        </p:spPr>
+      </p:pic>
+    </p:spTree>
+    <p:extLst>
+      <p:ext uri="{BB962C8B-B14F-4D97-AF65-F5344CB8AC3E}">
+        <p14:creationId xmlns:p14="http://schemas.microsoft.com/office/powerpoint/2010/main" val="1387767992"/>
+      </p:ext>
+    </p:extLst>
+  </p:cSld>
+  <p:clrMapOvr>
+    <a:masterClrMapping/>
+  </p:clrMapOvr>
+</p:sld>
+</file>
+
+<file path=ppt/slides/slide22.xml><?xml version="1.0" encoding="utf-8"?>
+<p:sld xmlns:a="http://schemas.openxmlformats.org/drawingml/2006/main" xmlns:r="http://schemas.openxmlformats.org/officeDocument/2006/relationships" xmlns:p="http://schemas.openxmlformats.org/presentationml/2006/main">
+  <p:cSld>
+    <p:spTree>
+      <p:nvGrpSpPr>
+        <p:cNvPr id="1" name=""/>
+        <p:cNvGrpSpPr/>
+        <p:nvPr/>
+      </p:nvGrpSpPr>
+      <p:grpSpPr>
+        <a:xfrm>
+          <a:off x="0" y="0"/>
+          <a:ext cx="0" cy="0"/>
+          <a:chOff x="0" y="0"/>
+          <a:chExt cx="0" cy="0"/>
+        </a:xfrm>
+      </p:grpSpPr>
+      <p:sp>
+        <p:nvSpPr>
+          <p:cNvPr id="2" name="Título 1">
+            <a:extLst>
+              <a:ext uri="{FF2B5EF4-FFF2-40B4-BE49-F238E27FC236}">
+                <a16:creationId xmlns:a16="http://schemas.microsoft.com/office/drawing/2014/main" id="{FCF16F70-732B-84CE-C413-7B957774E37D}"/>
+              </a:ext>
+            </a:extLst>
+          </p:cNvPr>
+          <p:cNvSpPr>
+            <a:spLocks noGrp="1"/>
+          </p:cNvSpPr>
+          <p:nvPr>
+            <p:ph type="title"/>
+          </p:nvPr>
+        </p:nvSpPr>
+        <p:spPr/>
+        <p:txBody>
+          <a:bodyPr/>
+          <a:lstStyle/>
+          <a:p>
+            <a:r>
+              <a:rPr lang="pt-BR" dirty="0"/>
+              <a:t>Topologia estrela	</a:t>
+            </a:r>
+          </a:p>
+        </p:txBody>
+      </p:sp>
+      <p:sp>
+        <p:nvSpPr>
+          <p:cNvPr id="3" name="Espaço Reservado para Conteúdo 2">
+            <a:extLst>
+              <a:ext uri="{FF2B5EF4-FFF2-40B4-BE49-F238E27FC236}">
+                <a16:creationId xmlns:a16="http://schemas.microsoft.com/office/drawing/2014/main" id="{0AC6943C-C505-0317-79C5-DD6DA92346F7}"/>
+              </a:ext>
+            </a:extLst>
+          </p:cNvPr>
+          <p:cNvSpPr>
+            <a:spLocks noGrp="1"/>
+          </p:cNvSpPr>
+          <p:nvPr>
+            <p:ph idx="1"/>
+          </p:nvPr>
+        </p:nvSpPr>
+        <p:spPr>
+          <a:xfrm>
+            <a:off x="1141413" y="2249487"/>
+            <a:ext cx="7513484" cy="3541714"/>
+          </a:xfrm>
+        </p:spPr>
+        <p:txBody>
+          <a:bodyPr/>
+          <a:lstStyle/>
+          <a:p>
+            <a:pPr marL="0" indent="0">
+              <a:buNone/>
+            </a:pPr>
+            <a:r>
+              <a:rPr lang="pt-BR" dirty="0"/>
+              <a:t>CONTRAS:</a:t>
+            </a:r>
+          </a:p>
+          <a:p>
+            <a:r>
+              <a:rPr lang="pt-BR" dirty="0"/>
+              <a:t>Se o hub central falhar, toda a sua rede cairá</a:t>
+            </a:r>
+          </a:p>
+          <a:p>
+            <a:r>
+              <a:rPr lang="pt-BR" dirty="0"/>
+              <a:t>O desempenho e a largura de banda são limitados pelo nó central</a:t>
+            </a:r>
+          </a:p>
+          <a:p>
+            <a:r>
+              <a:rPr lang="pt-BR" dirty="0"/>
+              <a:t>Pode ser caro para operar</a:t>
+            </a:r>
+          </a:p>
+        </p:txBody>
+      </p:sp>
+      <p:pic>
+        <p:nvPicPr>
+          <p:cNvPr id="4" name="Picture 2">
+            <a:extLst>
+              <a:ext uri="{FF2B5EF4-FFF2-40B4-BE49-F238E27FC236}">
+                <a16:creationId xmlns:a16="http://schemas.microsoft.com/office/drawing/2014/main" id="{9066B0F5-DCD7-E5BF-7AA4-FFD46F0A46CC}"/>
+              </a:ext>
+            </a:extLst>
+          </p:cNvPr>
+          <p:cNvPicPr>
+            <a:picLocks noChangeAspect="1" noChangeArrowheads="1"/>
+          </p:cNvPicPr>
+          <p:nvPr/>
+        </p:nvPicPr>
+        <p:blipFill>
+          <a:blip r:embed="rId2">
+            <a:extLst>
+              <a:ext uri="{28A0092B-C50C-407E-A947-70E740481C1C}">
+                <a14:useLocalDpi xmlns:a14="http://schemas.microsoft.com/office/drawing/2010/main" val="0"/>
+              </a:ext>
+            </a:extLst>
+          </a:blip>
+          <a:srcRect/>
+          <a:stretch>
+            <a:fillRect/>
+          </a:stretch>
+        </p:blipFill>
+        <p:spPr bwMode="auto">
+          <a:xfrm>
+            <a:off x="8654896" y="2249487"/>
+            <a:ext cx="3333750" cy="3228975"/>
+          </a:xfrm>
+          <a:prstGeom prst="rect">
+            <a:avLst/>
+          </a:prstGeom>
+          <a:noFill/>
+          <a:extLst>
+            <a:ext uri="{909E8E84-426E-40DD-AFC4-6F175D3DCCD1}">
+              <a14:hiddenFill xmlns:a14="http://schemas.microsoft.com/office/drawing/2010/main">
+                <a:solidFill>
+                  <a:srgbClr val="FFFFFF"/>
+                </a:solidFill>
+              </a14:hiddenFill>
+            </a:ext>
+          </a:extLst>
+        </p:spPr>
+      </p:pic>
+    </p:spTree>
+    <p:extLst>
+      <p:ext uri="{BB962C8B-B14F-4D97-AF65-F5344CB8AC3E}">
+        <p14:creationId xmlns:p14="http://schemas.microsoft.com/office/powerpoint/2010/main" val="3527537576"/>
+      </p:ext>
+    </p:extLst>
+  </p:cSld>
+  <p:clrMapOvr>
+    <a:masterClrMapping/>
+  </p:clrMapOvr>
+</p:sld>
+</file>
+
+<file path=ppt/slides/slide23.xml><?xml version="1.0" encoding="utf-8"?>
+<p:sld xmlns:a="http://schemas.openxmlformats.org/drawingml/2006/main" xmlns:r="http://schemas.openxmlformats.org/officeDocument/2006/relationships" xmlns:p="http://schemas.openxmlformats.org/presentationml/2006/main">
+  <p:cSld>
+    <p:spTree>
+      <p:nvGrpSpPr>
+        <p:cNvPr id="1" name=""/>
+        <p:cNvGrpSpPr/>
+        <p:nvPr/>
+      </p:nvGrpSpPr>
+      <p:grpSpPr>
+        <a:xfrm>
+          <a:off x="0" y="0"/>
+          <a:ext cx="0" cy="0"/>
+          <a:chOff x="0" y="0"/>
+          <a:chExt cx="0" cy="0"/>
+        </a:xfrm>
+      </p:grpSpPr>
+      <p:sp>
+        <p:nvSpPr>
+          <p:cNvPr id="2" name="Título 1">
+            <a:extLst>
+              <a:ext uri="{FF2B5EF4-FFF2-40B4-BE49-F238E27FC236}">
+                <a16:creationId xmlns:a16="http://schemas.microsoft.com/office/drawing/2014/main" id="{A04CD4FC-DFE2-C3EE-9F66-A1AB0C177ECD}"/>
+              </a:ext>
+            </a:extLst>
+          </p:cNvPr>
+          <p:cNvSpPr>
+            <a:spLocks noGrp="1"/>
+          </p:cNvSpPr>
+          <p:nvPr>
+            <p:ph type="title"/>
+          </p:nvPr>
+        </p:nvSpPr>
+        <p:spPr/>
+        <p:txBody>
+          <a:bodyPr/>
+          <a:lstStyle/>
+          <a:p>
+            <a:r>
+              <a:rPr lang="pt-BR" dirty="0"/>
+              <a:t>Topologia árvore  </a:t>
+            </a:r>
+          </a:p>
+        </p:txBody>
+      </p:sp>
+      <p:sp>
+        <p:nvSpPr>
+          <p:cNvPr id="3" name="Espaço Reservado para Conteúdo 2">
+            <a:extLst>
+              <a:ext uri="{FF2B5EF4-FFF2-40B4-BE49-F238E27FC236}">
+                <a16:creationId xmlns:a16="http://schemas.microsoft.com/office/drawing/2014/main" id="{2E692B3C-1B69-CD9D-8791-EC740B7338A6}"/>
+              </a:ext>
+            </a:extLst>
+          </p:cNvPr>
+          <p:cNvSpPr>
+            <a:spLocks noGrp="1"/>
+          </p:cNvSpPr>
+          <p:nvPr>
+            <p:ph idx="1"/>
+          </p:nvPr>
+        </p:nvSpPr>
+        <p:spPr>
+          <a:xfrm>
+            <a:off x="1141412" y="2249487"/>
+            <a:ext cx="5712149" cy="3541714"/>
+          </a:xfrm>
+        </p:spPr>
+        <p:txBody>
+          <a:bodyPr/>
+          <a:lstStyle/>
+          <a:p>
+            <a:r>
+              <a:rPr lang="pt-BR" dirty="0"/>
+              <a:t>Um nó central conecta hubs secundários. Esses hubs têm uma relação pai-filho com os dispositivos. O eixo central é como o tronco da árvore. Onde as ramificações se conectam estão os hubs secundários ou nós de controle e, em seguida, os dispositivos conectados são anexados aos </a:t>
+            </a:r>
+            <a:r>
+              <a:rPr lang="pt-BR" dirty="0" err="1"/>
+              <a:t>branches</a:t>
+            </a:r>
+            <a:r>
+              <a:rPr lang="pt-BR" dirty="0"/>
+              <a:t>. </a:t>
+            </a:r>
+          </a:p>
+        </p:txBody>
+      </p:sp>
+      <p:pic>
+        <p:nvPicPr>
+          <p:cNvPr id="2050" name="Picture 2">
+            <a:extLst>
+              <a:ext uri="{FF2B5EF4-FFF2-40B4-BE49-F238E27FC236}">
+                <a16:creationId xmlns:a16="http://schemas.microsoft.com/office/drawing/2014/main" id="{EA465287-6B2C-B800-849F-1BA8F9EF4EB6}"/>
+              </a:ext>
+            </a:extLst>
+          </p:cNvPr>
+          <p:cNvPicPr>
+            <a:picLocks noChangeAspect="1" noChangeArrowheads="1"/>
+          </p:cNvPicPr>
+          <p:nvPr/>
+        </p:nvPicPr>
+        <p:blipFill>
+          <a:blip r:embed="rId2">
+            <a:extLst>
+              <a:ext uri="{28A0092B-C50C-407E-A947-70E740481C1C}">
+                <a14:useLocalDpi xmlns:a14="http://schemas.microsoft.com/office/drawing/2010/main" val="0"/>
+              </a:ext>
+            </a:extLst>
+          </a:blip>
+          <a:srcRect/>
+          <a:stretch>
+            <a:fillRect/>
+          </a:stretch>
+        </p:blipFill>
+        <p:spPr bwMode="auto">
+          <a:xfrm>
+            <a:off x="7625086" y="2353469"/>
+            <a:ext cx="3333750" cy="3333750"/>
+          </a:xfrm>
+          <a:prstGeom prst="rect">
+            <a:avLst/>
+          </a:prstGeom>
+          <a:noFill/>
+          <a:extLst>
+            <a:ext uri="{909E8E84-426E-40DD-AFC4-6F175D3DCCD1}">
+              <a14:hiddenFill xmlns:a14="http://schemas.microsoft.com/office/drawing/2010/main">
+                <a:solidFill>
+                  <a:srgbClr val="FFFFFF"/>
+                </a:solidFill>
+              </a14:hiddenFill>
+            </a:ext>
+          </a:extLst>
+        </p:spPr>
+      </p:pic>
+    </p:spTree>
+    <p:extLst>
+      <p:ext uri="{BB962C8B-B14F-4D97-AF65-F5344CB8AC3E}">
+        <p14:creationId xmlns:p14="http://schemas.microsoft.com/office/powerpoint/2010/main" val="4280594185"/>
+      </p:ext>
+    </p:extLst>
+  </p:cSld>
+  <p:clrMapOvr>
+    <a:masterClrMapping/>
+  </p:clrMapOvr>
+</p:sld>
+</file>
+
+<file path=ppt/slides/slide24.xml><?xml version="1.0" encoding="utf-8"?>
+<p:sld xmlns:a="http://schemas.openxmlformats.org/drawingml/2006/main" xmlns:r="http://schemas.openxmlformats.org/officeDocument/2006/relationships" xmlns:p="http://schemas.openxmlformats.org/presentationml/2006/main">
+  <p:cSld>
+    <p:spTree>
+      <p:nvGrpSpPr>
+        <p:cNvPr id="1" name=""/>
+        <p:cNvGrpSpPr/>
+        <p:nvPr/>
+      </p:nvGrpSpPr>
+      <p:grpSpPr>
+        <a:xfrm>
+          <a:off x="0" y="0"/>
+          <a:ext cx="0" cy="0"/>
+          <a:chOff x="0" y="0"/>
+          <a:chExt cx="0" cy="0"/>
+        </a:xfrm>
+      </p:grpSpPr>
+      <p:sp>
+        <p:nvSpPr>
+          <p:cNvPr id="3" name="Espaço Reservado para Conteúdo 2">
+            <a:extLst>
+              <a:ext uri="{FF2B5EF4-FFF2-40B4-BE49-F238E27FC236}">
+                <a16:creationId xmlns:a16="http://schemas.microsoft.com/office/drawing/2014/main" id="{DAFF8F94-F5F0-68AA-ABFA-DE79B9C7C4C9}"/>
+              </a:ext>
+            </a:extLst>
+          </p:cNvPr>
+          <p:cNvSpPr>
+            <a:spLocks noGrp="1"/>
+          </p:cNvSpPr>
+          <p:nvPr>
+            <p:ph idx="1"/>
+          </p:nvPr>
+        </p:nvSpPr>
+        <p:spPr>
+          <a:xfrm>
+            <a:off x="972736" y="2196221"/>
+            <a:ext cx="6466751" cy="3541714"/>
+          </a:xfrm>
+        </p:spPr>
+        <p:txBody>
+          <a:bodyPr/>
+          <a:lstStyle/>
+          <a:p>
+            <a:pPr marL="0" indent="0">
+              <a:buNone/>
+            </a:pPr>
+            <a:r>
+              <a:rPr lang="pt-BR" dirty="0"/>
+              <a:t>PRÓS:</a:t>
+            </a:r>
+          </a:p>
+          <a:p>
+            <a:r>
+              <a:rPr lang="pt-BR" dirty="0"/>
+              <a:t>Extremamente flexível e escalável</a:t>
+            </a:r>
+          </a:p>
+          <a:p>
+            <a:r>
+              <a:rPr lang="pt-BR" dirty="0"/>
+              <a:t>Facilidade na identificação de erros, uma vez que cada </a:t>
+            </a:r>
+            <a:r>
+              <a:rPr lang="pt-BR" dirty="0" err="1"/>
+              <a:t>branch</a:t>
+            </a:r>
+            <a:r>
+              <a:rPr lang="pt-BR" dirty="0"/>
+              <a:t> da rede pode ser diagnosticado individualmente.</a:t>
+            </a:r>
+          </a:p>
+        </p:txBody>
+      </p:sp>
+      <p:sp>
+        <p:nvSpPr>
+          <p:cNvPr id="4" name="Título 1">
+            <a:extLst>
+              <a:ext uri="{FF2B5EF4-FFF2-40B4-BE49-F238E27FC236}">
+                <a16:creationId xmlns:a16="http://schemas.microsoft.com/office/drawing/2014/main" id="{B09A3DB5-6566-359C-4646-E6A493197205}"/>
+              </a:ext>
+            </a:extLst>
+          </p:cNvPr>
+          <p:cNvSpPr>
+            <a:spLocks noGrp="1"/>
+          </p:cNvSpPr>
+          <p:nvPr>
+            <p:ph type="title"/>
+          </p:nvPr>
+        </p:nvSpPr>
+        <p:spPr>
+          <a:xfrm>
+            <a:off x="1141413" y="619125"/>
+            <a:ext cx="9906000" cy="1477963"/>
+          </a:xfrm>
+        </p:spPr>
+        <p:txBody>
+          <a:bodyPr/>
+          <a:lstStyle/>
+          <a:p>
+            <a:r>
+              <a:rPr lang="pt-BR" dirty="0"/>
+              <a:t>Topologia árvore  </a:t>
+            </a:r>
+          </a:p>
+        </p:txBody>
+      </p:sp>
+      <p:pic>
+        <p:nvPicPr>
+          <p:cNvPr id="5124" name="Picture 4">
+            <a:extLst>
+              <a:ext uri="{FF2B5EF4-FFF2-40B4-BE49-F238E27FC236}">
+                <a16:creationId xmlns:a16="http://schemas.microsoft.com/office/drawing/2014/main" id="{36067AA0-49E6-AC90-61B3-DD06017FADF7}"/>
+              </a:ext>
+            </a:extLst>
+          </p:cNvPr>
+          <p:cNvPicPr>
+            <a:picLocks noChangeAspect="1" noChangeArrowheads="1"/>
+          </p:cNvPicPr>
+          <p:nvPr/>
+        </p:nvPicPr>
+        <p:blipFill>
+          <a:blip r:embed="rId2">
+            <a:extLst>
+              <a:ext uri="{28A0092B-C50C-407E-A947-70E740481C1C}">
+                <a14:useLocalDpi xmlns:a14="http://schemas.microsoft.com/office/drawing/2010/main" val="0"/>
+              </a:ext>
+            </a:extLst>
+          </a:blip>
+          <a:srcRect/>
+          <a:stretch>
+            <a:fillRect/>
+          </a:stretch>
+        </p:blipFill>
+        <p:spPr bwMode="auto">
+          <a:xfrm>
+            <a:off x="8131113" y="2300203"/>
+            <a:ext cx="3333750" cy="3333750"/>
+          </a:xfrm>
+          <a:prstGeom prst="rect">
+            <a:avLst/>
+          </a:prstGeom>
+          <a:noFill/>
+          <a:extLst>
+            <a:ext uri="{909E8E84-426E-40DD-AFC4-6F175D3DCCD1}">
+              <a14:hiddenFill xmlns:a14="http://schemas.microsoft.com/office/drawing/2010/main">
+                <a:solidFill>
+                  <a:srgbClr val="FFFFFF"/>
+                </a:solidFill>
+              </a14:hiddenFill>
+            </a:ext>
+          </a:extLst>
+        </p:spPr>
+      </p:pic>
+    </p:spTree>
+    <p:extLst>
+      <p:ext uri="{BB962C8B-B14F-4D97-AF65-F5344CB8AC3E}">
+        <p14:creationId xmlns:p14="http://schemas.microsoft.com/office/powerpoint/2010/main" val="700138227"/>
+      </p:ext>
+    </p:extLst>
+  </p:cSld>
+  <p:clrMapOvr>
+    <a:masterClrMapping/>
+  </p:clrMapOvr>
+</p:sld>
+</file>
+
+<file path=ppt/slides/slide25.xml><?xml version="1.0" encoding="utf-8"?>
+<p:sld xmlns:a="http://schemas.openxmlformats.org/drawingml/2006/main" xmlns:r="http://schemas.openxmlformats.org/officeDocument/2006/relationships" xmlns:p="http://schemas.openxmlformats.org/presentationml/2006/main">
+  <p:cSld>
+    <p:spTree>
+      <p:nvGrpSpPr>
+        <p:cNvPr id="1" name=""/>
+        <p:cNvGrpSpPr/>
+        <p:nvPr/>
+      </p:nvGrpSpPr>
+      <p:grpSpPr>
+        <a:xfrm>
+          <a:off x="0" y="0"/>
+          <a:ext cx="0" cy="0"/>
+          <a:chOff x="0" y="0"/>
+          <a:chExt cx="0" cy="0"/>
+        </a:xfrm>
+      </p:grpSpPr>
+      <p:sp>
+        <p:nvSpPr>
+          <p:cNvPr id="2" name="Título 1">
+            <a:extLst>
+              <a:ext uri="{FF2B5EF4-FFF2-40B4-BE49-F238E27FC236}">
+                <a16:creationId xmlns:a16="http://schemas.microsoft.com/office/drawing/2014/main" id="{965ED400-35A7-E334-1CF2-EE84956B9BB8}"/>
+              </a:ext>
+            </a:extLst>
+          </p:cNvPr>
+          <p:cNvSpPr>
+            <a:spLocks noGrp="1"/>
+          </p:cNvSpPr>
+          <p:nvPr>
+            <p:ph type="title"/>
+          </p:nvPr>
+        </p:nvSpPr>
+        <p:spPr/>
+        <p:txBody>
+          <a:bodyPr/>
+          <a:lstStyle/>
+          <a:p>
+            <a:r>
+              <a:rPr lang="pt-BR" dirty="0"/>
+              <a:t>Topologia árvore</a:t>
+            </a:r>
+          </a:p>
+        </p:txBody>
+      </p:sp>
+      <p:sp>
+        <p:nvSpPr>
+          <p:cNvPr id="3" name="Espaço Reservado para Conteúdo 2">
+            <a:extLst>
+              <a:ext uri="{FF2B5EF4-FFF2-40B4-BE49-F238E27FC236}">
+                <a16:creationId xmlns:a16="http://schemas.microsoft.com/office/drawing/2014/main" id="{FA632C7D-DE22-37DB-489F-9BC813D451FD}"/>
+              </a:ext>
+            </a:extLst>
+          </p:cNvPr>
+          <p:cNvSpPr>
+            <a:spLocks noGrp="1"/>
+          </p:cNvSpPr>
+          <p:nvPr>
+            <p:ph idx="1"/>
+          </p:nvPr>
+        </p:nvSpPr>
+        <p:spPr>
+          <a:xfrm>
+            <a:off x="1141412" y="2249487"/>
+            <a:ext cx="6750837" cy="3541714"/>
+          </a:xfrm>
+        </p:spPr>
+        <p:txBody>
+          <a:bodyPr>
+            <a:normAutofit/>
+          </a:bodyPr>
+          <a:lstStyle/>
+          <a:p>
+            <a:pPr marL="0" indent="0">
+              <a:buNone/>
+            </a:pPr>
+            <a:r>
+              <a:rPr lang="pt-BR" dirty="0"/>
+              <a:t>CONTRAS:</a:t>
+            </a:r>
+          </a:p>
+          <a:p>
+            <a:r>
+              <a:rPr lang="pt-BR" dirty="0"/>
+              <a:t>Se um hub central falhar, os nós serão desconectados (embora as ramificações possam continuar a funcionar de forma independente)</a:t>
+            </a:r>
+          </a:p>
+          <a:p>
+            <a:r>
+              <a:rPr lang="pt-BR" dirty="0"/>
+              <a:t>A estrutura pode ser difícil de gerenciar de forma eficaz</a:t>
+            </a:r>
+          </a:p>
+          <a:p>
+            <a:r>
+              <a:rPr lang="pt-BR" dirty="0"/>
+              <a:t>Usa muito mais cabeamento do que outros métodos</a:t>
+            </a:r>
+          </a:p>
+        </p:txBody>
+      </p:sp>
+      <p:pic>
+        <p:nvPicPr>
+          <p:cNvPr id="4" name="Picture 4">
+            <a:extLst>
+              <a:ext uri="{FF2B5EF4-FFF2-40B4-BE49-F238E27FC236}">
+                <a16:creationId xmlns:a16="http://schemas.microsoft.com/office/drawing/2014/main" id="{335F4ED8-8206-576B-116B-B5B0A7F716C0}"/>
+              </a:ext>
+            </a:extLst>
+          </p:cNvPr>
+          <p:cNvPicPr>
+            <a:picLocks noChangeAspect="1" noChangeArrowheads="1"/>
+          </p:cNvPicPr>
+          <p:nvPr/>
+        </p:nvPicPr>
+        <p:blipFill>
+          <a:blip r:embed="rId2">
+            <a:extLst>
+              <a:ext uri="{28A0092B-C50C-407E-A947-70E740481C1C}">
+                <a14:useLocalDpi xmlns:a14="http://schemas.microsoft.com/office/drawing/2010/main" val="0"/>
+              </a:ext>
+            </a:extLst>
+          </a:blip>
+          <a:srcRect/>
+          <a:stretch>
+            <a:fillRect/>
+          </a:stretch>
+        </p:blipFill>
+        <p:spPr bwMode="auto">
+          <a:xfrm>
+            <a:off x="8308666" y="2249487"/>
+            <a:ext cx="3333750" cy="3333750"/>
+          </a:xfrm>
+          <a:prstGeom prst="rect">
+            <a:avLst/>
+          </a:prstGeom>
+          <a:noFill/>
+          <a:extLst>
+            <a:ext uri="{909E8E84-426E-40DD-AFC4-6F175D3DCCD1}">
+              <a14:hiddenFill xmlns:a14="http://schemas.microsoft.com/office/drawing/2010/main">
+                <a:solidFill>
+                  <a:srgbClr val="FFFFFF"/>
+                </a:solidFill>
+              </a14:hiddenFill>
+            </a:ext>
+          </a:extLst>
+        </p:spPr>
+      </p:pic>
+    </p:spTree>
+    <p:extLst>
+      <p:ext uri="{BB962C8B-B14F-4D97-AF65-F5344CB8AC3E}">
+        <p14:creationId xmlns:p14="http://schemas.microsoft.com/office/powerpoint/2010/main" val="3485989204"/>
+      </p:ext>
+    </p:extLst>
+  </p:cSld>
+  <p:clrMapOvr>
+    <a:masterClrMapping/>
+  </p:clrMapOvr>
+</p:sld>
+</file>
+
+<file path=ppt/slides/slide26.xml><?xml version="1.0" encoding="utf-8"?>
+<p:sld xmlns:a="http://schemas.openxmlformats.org/drawingml/2006/main" xmlns:r="http://schemas.openxmlformats.org/officeDocument/2006/relationships" xmlns:p="http://schemas.openxmlformats.org/presentationml/2006/main">
+  <p:cSld>
+    <p:spTree>
+      <p:nvGrpSpPr>
+        <p:cNvPr id="1" name=""/>
+        <p:cNvGrpSpPr/>
+        <p:nvPr/>
+      </p:nvGrpSpPr>
+      <p:grpSpPr>
+        <a:xfrm>
+          <a:off x="0" y="0"/>
+          <a:ext cx="0" cy="0"/>
+          <a:chOff x="0" y="0"/>
+          <a:chExt cx="0" cy="0"/>
+        </a:xfrm>
+      </p:grpSpPr>
+      <p:sp>
+        <p:nvSpPr>
+          <p:cNvPr id="2" name="Título 1">
+            <a:extLst>
+              <a:ext uri="{FF2B5EF4-FFF2-40B4-BE49-F238E27FC236}">
+                <a16:creationId xmlns:a16="http://schemas.microsoft.com/office/drawing/2014/main" id="{92F695B3-F05A-4CD0-DAFF-6CB532D2F071}"/>
+              </a:ext>
+            </a:extLst>
+          </p:cNvPr>
+          <p:cNvSpPr>
+            <a:spLocks noGrp="1"/>
+          </p:cNvSpPr>
+          <p:nvPr>
+            <p:ph type="title"/>
+          </p:nvPr>
+        </p:nvSpPr>
+        <p:spPr/>
+        <p:txBody>
+          <a:bodyPr/>
+          <a:lstStyle/>
+          <a:p>
+            <a:r>
+              <a:rPr lang="pt-BR" dirty="0"/>
+              <a:t>Topologia malha (</a:t>
+            </a:r>
+            <a:r>
+              <a:rPr lang="pt-BR" dirty="0" err="1"/>
+              <a:t>mesh</a:t>
+            </a:r>
+            <a:r>
+              <a:rPr lang="pt-BR" dirty="0"/>
+              <a:t>)</a:t>
+            </a:r>
+          </a:p>
+        </p:txBody>
+      </p:sp>
+      <p:sp>
+        <p:nvSpPr>
+          <p:cNvPr id="3" name="Espaço Reservado para Conteúdo 2">
+            <a:extLst>
+              <a:ext uri="{FF2B5EF4-FFF2-40B4-BE49-F238E27FC236}">
+                <a16:creationId xmlns:a16="http://schemas.microsoft.com/office/drawing/2014/main" id="{B322DD5C-A42A-7F73-B638-00F52775A1FE}"/>
+              </a:ext>
+            </a:extLst>
+          </p:cNvPr>
+          <p:cNvSpPr>
+            <a:spLocks noGrp="1"/>
+          </p:cNvSpPr>
+          <p:nvPr>
+            <p:ph idx="1"/>
+          </p:nvPr>
+        </p:nvSpPr>
+        <p:spPr>
+          <a:xfrm>
+            <a:off x="1141413" y="2249487"/>
+            <a:ext cx="6520016" cy="3541714"/>
+          </a:xfrm>
+        </p:spPr>
+        <p:txBody>
+          <a:bodyPr>
+            <a:normAutofit/>
+          </a:bodyPr>
+          <a:lstStyle/>
+          <a:p>
+            <a:r>
+              <a:rPr lang="pt-BR" dirty="0"/>
+              <a:t>Os nós são interconectados. Os modos full-</a:t>
+            </a:r>
+            <a:r>
+              <a:rPr lang="pt-BR" dirty="0" err="1"/>
+              <a:t>mesh</a:t>
+            </a:r>
+            <a:r>
+              <a:rPr lang="pt-BR" dirty="0"/>
+              <a:t> conectam todos os dispositivos na rede diretamente. Em uma topologia de malha parcial, a maioria dos dispositivos se conecta diretamente. Isso oferece vários caminhos para entrega de dados. Os dados são entregues pela distância mais curta disponível para transmissão.</a:t>
+            </a:r>
+          </a:p>
+        </p:txBody>
+      </p:sp>
+      <p:pic>
+        <p:nvPicPr>
+          <p:cNvPr id="6148" name="Picture 4">
+            <a:extLst>
+              <a:ext uri="{FF2B5EF4-FFF2-40B4-BE49-F238E27FC236}">
+                <a16:creationId xmlns:a16="http://schemas.microsoft.com/office/drawing/2014/main" id="{45D475D6-5AF2-3FA9-9A37-D320C82B5AE5}"/>
+              </a:ext>
+            </a:extLst>
+          </p:cNvPr>
+          <p:cNvPicPr>
+            <a:picLocks noChangeAspect="1" noChangeArrowheads="1"/>
+          </p:cNvPicPr>
+          <p:nvPr/>
+        </p:nvPicPr>
+        <p:blipFill>
+          <a:blip r:embed="rId2">
+            <a:extLst>
+              <a:ext uri="{28A0092B-C50C-407E-A947-70E740481C1C}">
+                <a14:useLocalDpi xmlns:a14="http://schemas.microsoft.com/office/drawing/2010/main" val="0"/>
+              </a:ext>
+            </a:extLst>
+          </a:blip>
+          <a:srcRect/>
+          <a:stretch>
+            <a:fillRect/>
+          </a:stretch>
+        </p:blipFill>
+        <p:spPr bwMode="auto">
+          <a:xfrm>
+            <a:off x="8006826" y="2486819"/>
+            <a:ext cx="3333750" cy="3067050"/>
+          </a:xfrm>
+          <a:prstGeom prst="rect">
+            <a:avLst/>
+          </a:prstGeom>
+          <a:noFill/>
+          <a:extLst>
+            <a:ext uri="{909E8E84-426E-40DD-AFC4-6F175D3DCCD1}">
+              <a14:hiddenFill xmlns:a14="http://schemas.microsoft.com/office/drawing/2010/main">
+                <a:solidFill>
+                  <a:srgbClr val="FFFFFF"/>
+                </a:solidFill>
+              </a14:hiddenFill>
+            </a:ext>
+          </a:extLst>
+        </p:spPr>
+      </p:pic>
+    </p:spTree>
+    <p:extLst>
+      <p:ext uri="{BB962C8B-B14F-4D97-AF65-F5344CB8AC3E}">
+        <p14:creationId xmlns:p14="http://schemas.microsoft.com/office/powerpoint/2010/main" val="3573279138"/>
+      </p:ext>
+    </p:extLst>
+  </p:cSld>
+  <p:clrMapOvr>
+    <a:masterClrMapping/>
+  </p:clrMapOvr>
+</p:sld>
+</file>
+
+<file path=ppt/slides/slide27.xml><?xml version="1.0" encoding="utf-8"?>
+<p:sld xmlns:a="http://schemas.openxmlformats.org/drawingml/2006/main" xmlns:r="http://schemas.openxmlformats.org/officeDocument/2006/relationships" xmlns:p="http://schemas.openxmlformats.org/presentationml/2006/main">
+  <p:cSld>
+    <p:spTree>
+      <p:nvGrpSpPr>
+        <p:cNvPr id="1" name=""/>
+        <p:cNvGrpSpPr/>
+        <p:nvPr/>
+      </p:nvGrpSpPr>
+      <p:grpSpPr>
+        <a:xfrm>
+          <a:off x="0" y="0"/>
+          <a:ext cx="0" cy="0"/>
+          <a:chOff x="0" y="0"/>
+          <a:chExt cx="0" cy="0"/>
+        </a:xfrm>
+      </p:grpSpPr>
+      <p:sp>
+        <p:nvSpPr>
+          <p:cNvPr id="2" name="Título 1">
+            <a:extLst>
+              <a:ext uri="{FF2B5EF4-FFF2-40B4-BE49-F238E27FC236}">
+                <a16:creationId xmlns:a16="http://schemas.microsoft.com/office/drawing/2014/main" id="{9BAC5DF0-44FC-6331-38BA-C61407E3EEAD}"/>
+              </a:ext>
+            </a:extLst>
+          </p:cNvPr>
+          <p:cNvSpPr>
+            <a:spLocks noGrp="1"/>
+          </p:cNvSpPr>
+          <p:nvPr>
+            <p:ph type="title"/>
+          </p:nvPr>
+        </p:nvSpPr>
+        <p:spPr/>
+        <p:txBody>
+          <a:bodyPr/>
+          <a:lstStyle/>
+          <a:p>
+            <a:r>
+              <a:rPr lang="pt-BR" dirty="0"/>
+              <a:t>Topologia malha (</a:t>
+            </a:r>
+            <a:r>
+              <a:rPr lang="pt-BR" dirty="0" err="1"/>
+              <a:t>mesh</a:t>
+            </a:r>
+            <a:r>
+              <a:rPr lang="pt-BR" dirty="0"/>
+              <a:t>)</a:t>
+            </a:r>
+          </a:p>
+        </p:txBody>
+      </p:sp>
+      <p:sp>
+        <p:nvSpPr>
+          <p:cNvPr id="3" name="Espaço Reservado para Conteúdo 2">
+            <a:extLst>
+              <a:ext uri="{FF2B5EF4-FFF2-40B4-BE49-F238E27FC236}">
+                <a16:creationId xmlns:a16="http://schemas.microsoft.com/office/drawing/2014/main" id="{15779024-BE75-AA36-82BD-8677F9FC6215}"/>
+              </a:ext>
+            </a:extLst>
+          </p:cNvPr>
+          <p:cNvSpPr>
+            <a:spLocks noGrp="1"/>
+          </p:cNvSpPr>
+          <p:nvPr>
+            <p:ph idx="1"/>
+          </p:nvPr>
+        </p:nvSpPr>
+        <p:spPr>
+          <a:xfrm>
+            <a:off x="1141412" y="2249487"/>
+            <a:ext cx="6626549" cy="3541714"/>
+          </a:xfrm>
+        </p:spPr>
+        <p:txBody>
+          <a:bodyPr/>
+          <a:lstStyle/>
+          <a:p>
+            <a:pPr marL="0" indent="0">
+              <a:buNone/>
+            </a:pPr>
+            <a:r>
+              <a:rPr lang="pt-BR" dirty="0"/>
+              <a:t>PRÓS:</a:t>
+            </a:r>
+          </a:p>
+          <a:p>
+            <a:r>
+              <a:rPr lang="pt-BR" dirty="0"/>
+              <a:t>Confiável e estável</a:t>
+            </a:r>
+          </a:p>
+          <a:p>
+            <a:r>
+              <a:rPr lang="pt-BR" dirty="0"/>
+              <a:t>Nenhuma falha de nó único faz com que a rede fique offline</a:t>
+            </a:r>
+          </a:p>
+        </p:txBody>
+      </p:sp>
+      <p:pic>
+        <p:nvPicPr>
+          <p:cNvPr id="4" name="Picture 4">
+            <a:extLst>
+              <a:ext uri="{FF2B5EF4-FFF2-40B4-BE49-F238E27FC236}">
+                <a16:creationId xmlns:a16="http://schemas.microsoft.com/office/drawing/2014/main" id="{9B222211-7A68-609C-9B32-3B53296C0DA3}"/>
+              </a:ext>
+            </a:extLst>
+          </p:cNvPr>
+          <p:cNvPicPr>
+            <a:picLocks noChangeAspect="1" noChangeArrowheads="1"/>
+          </p:cNvPicPr>
+          <p:nvPr/>
+        </p:nvPicPr>
+        <p:blipFill>
+          <a:blip r:embed="rId2">
+            <a:extLst>
+              <a:ext uri="{28A0092B-C50C-407E-A947-70E740481C1C}">
+                <a14:useLocalDpi xmlns:a14="http://schemas.microsoft.com/office/drawing/2010/main" val="0"/>
+              </a:ext>
+            </a:extLst>
+          </a:blip>
+          <a:srcRect/>
+          <a:stretch>
+            <a:fillRect/>
+          </a:stretch>
+        </p:blipFill>
+        <p:spPr bwMode="auto">
+          <a:xfrm>
+            <a:off x="8006826" y="2486819"/>
+            <a:ext cx="3333750" cy="3067050"/>
+          </a:xfrm>
+          <a:prstGeom prst="rect">
+            <a:avLst/>
+          </a:prstGeom>
+          <a:noFill/>
+          <a:extLst>
+            <a:ext uri="{909E8E84-426E-40DD-AFC4-6F175D3DCCD1}">
+              <a14:hiddenFill xmlns:a14="http://schemas.microsoft.com/office/drawing/2010/main">
+                <a:solidFill>
+                  <a:srgbClr val="FFFFFF"/>
+                </a:solidFill>
+              </a14:hiddenFill>
+            </a:ext>
+          </a:extLst>
+        </p:spPr>
+      </p:pic>
+    </p:spTree>
+    <p:extLst>
+      <p:ext uri="{BB962C8B-B14F-4D97-AF65-F5344CB8AC3E}">
+        <p14:creationId xmlns:p14="http://schemas.microsoft.com/office/powerpoint/2010/main" val="3580229349"/>
+      </p:ext>
+    </p:extLst>
+  </p:cSld>
+  <p:clrMapOvr>
+    <a:masterClrMapping/>
+  </p:clrMapOvr>
+</p:sld>
+</file>
+
+<file path=ppt/slides/slide28.xml><?xml version="1.0" encoding="utf-8"?>
+<p:sld xmlns:a="http://schemas.openxmlformats.org/drawingml/2006/main" xmlns:r="http://schemas.openxmlformats.org/officeDocument/2006/relationships" xmlns:p="http://schemas.openxmlformats.org/presentationml/2006/main">
+  <p:cSld>
+    <p:spTree>
+      <p:nvGrpSpPr>
+        <p:cNvPr id="1" name=""/>
+        <p:cNvGrpSpPr/>
+        <p:nvPr/>
+      </p:nvGrpSpPr>
+      <p:grpSpPr>
+        <a:xfrm>
+          <a:off x="0" y="0"/>
+          <a:ext cx="0" cy="0"/>
+          <a:chOff x="0" y="0"/>
+          <a:chExt cx="0" cy="0"/>
+        </a:xfrm>
+      </p:grpSpPr>
+      <p:sp>
+        <p:nvSpPr>
+          <p:cNvPr id="2" name="Título 1">
+            <a:extLst>
+              <a:ext uri="{FF2B5EF4-FFF2-40B4-BE49-F238E27FC236}">
+                <a16:creationId xmlns:a16="http://schemas.microsoft.com/office/drawing/2014/main" id="{C3310386-3C3B-F3E3-2E9E-4F7C14253783}"/>
+              </a:ext>
+            </a:extLst>
+          </p:cNvPr>
+          <p:cNvSpPr>
+            <a:spLocks noGrp="1"/>
+          </p:cNvSpPr>
+          <p:nvPr>
+            <p:ph type="title"/>
+          </p:nvPr>
+        </p:nvSpPr>
+        <p:spPr/>
+        <p:txBody>
+          <a:bodyPr/>
+          <a:lstStyle/>
+          <a:p>
+            <a:r>
+              <a:rPr lang="pt-BR" dirty="0"/>
+              <a:t>Topologia malha (</a:t>
+            </a:r>
+            <a:r>
+              <a:rPr lang="pt-BR" dirty="0" err="1"/>
+              <a:t>mesh</a:t>
+            </a:r>
+            <a:r>
+              <a:rPr lang="pt-BR" dirty="0"/>
+              <a:t>)</a:t>
+            </a:r>
+          </a:p>
+        </p:txBody>
+      </p:sp>
+      <p:sp>
+        <p:nvSpPr>
+          <p:cNvPr id="3" name="Espaço Reservado para Conteúdo 2">
+            <a:extLst>
+              <a:ext uri="{FF2B5EF4-FFF2-40B4-BE49-F238E27FC236}">
+                <a16:creationId xmlns:a16="http://schemas.microsoft.com/office/drawing/2014/main" id="{911B3CC2-F354-35E5-F71E-773F077F305E}"/>
+              </a:ext>
+            </a:extLst>
+          </p:cNvPr>
+          <p:cNvSpPr>
+            <a:spLocks noGrp="1"/>
+          </p:cNvSpPr>
+          <p:nvPr>
+            <p:ph idx="1"/>
+          </p:nvPr>
+        </p:nvSpPr>
+        <p:spPr>
+          <a:xfrm>
+            <a:off x="1141412" y="2249487"/>
+            <a:ext cx="6351341" cy="3541714"/>
+          </a:xfrm>
+        </p:spPr>
+        <p:txBody>
+          <a:bodyPr/>
+          <a:lstStyle/>
+          <a:p>
+            <a:pPr marL="0" indent="0">
+              <a:buNone/>
+            </a:pPr>
+            <a:r>
+              <a:rPr lang="pt-BR" dirty="0"/>
+              <a:t>CONTRAS:</a:t>
+            </a:r>
+          </a:p>
+          <a:p>
+            <a:r>
+              <a:rPr lang="pt-BR" dirty="0"/>
+              <a:t>Grau complexo de interconectividade entre nós</a:t>
+            </a:r>
+          </a:p>
+          <a:p>
+            <a:r>
+              <a:rPr lang="pt-BR" dirty="0"/>
+              <a:t>Trabalho intensivo para instalar</a:t>
+            </a:r>
+          </a:p>
+          <a:p>
+            <a:r>
+              <a:rPr lang="pt-BR" dirty="0"/>
+              <a:t>Usa muito cabeamento para conectar todos os dispositivos.</a:t>
+            </a:r>
+          </a:p>
+        </p:txBody>
+      </p:sp>
+      <p:pic>
+        <p:nvPicPr>
+          <p:cNvPr id="4" name="Picture 4">
+            <a:extLst>
+              <a:ext uri="{FF2B5EF4-FFF2-40B4-BE49-F238E27FC236}">
+                <a16:creationId xmlns:a16="http://schemas.microsoft.com/office/drawing/2014/main" id="{12927497-1531-F8CA-F2C7-52C488E8DE6B}"/>
+              </a:ext>
+            </a:extLst>
+          </p:cNvPr>
+          <p:cNvPicPr>
+            <a:picLocks noChangeAspect="1" noChangeArrowheads="1"/>
+          </p:cNvPicPr>
+          <p:nvPr/>
+        </p:nvPicPr>
+        <p:blipFill>
+          <a:blip r:embed="rId2">
+            <a:extLst>
+              <a:ext uri="{28A0092B-C50C-407E-A947-70E740481C1C}">
+                <a14:useLocalDpi xmlns:a14="http://schemas.microsoft.com/office/drawing/2010/main" val="0"/>
+              </a:ext>
+            </a:extLst>
+          </a:blip>
+          <a:srcRect/>
+          <a:stretch>
+            <a:fillRect/>
+          </a:stretch>
+        </p:blipFill>
+        <p:spPr bwMode="auto">
+          <a:xfrm>
+            <a:off x="7900294" y="2415798"/>
+            <a:ext cx="3333750" cy="3067050"/>
+          </a:xfrm>
+          <a:prstGeom prst="rect">
+            <a:avLst/>
+          </a:prstGeom>
+          <a:noFill/>
+          <a:extLst>
+            <a:ext uri="{909E8E84-426E-40DD-AFC4-6F175D3DCCD1}">
+              <a14:hiddenFill xmlns:a14="http://schemas.microsoft.com/office/drawing/2010/main">
+                <a:solidFill>
+                  <a:srgbClr val="FFFFFF"/>
+                </a:solidFill>
+              </a14:hiddenFill>
+            </a:ext>
+          </a:extLst>
+        </p:spPr>
+      </p:pic>
+    </p:spTree>
+    <p:extLst>
+      <p:ext uri="{BB962C8B-B14F-4D97-AF65-F5344CB8AC3E}">
+        <p14:creationId xmlns:p14="http://schemas.microsoft.com/office/powerpoint/2010/main" val="3006084981"/>
       </p:ext>
     </p:extLst>
   </p:cSld>
